--- a/slides.pptx
+++ b/slides.pptx
@@ -11,9 +11,10 @@
     <p:sldId id="259" r:id="rId5"/>
     <p:sldId id="260" r:id="rId6"/>
     <p:sldId id="261" r:id="rId7"/>
-    <p:sldId id="262" r:id="rId8"/>
-    <p:sldId id="263" r:id="rId9"/>
-    <p:sldId id="264" r:id="rId10"/>
+    <p:sldId id="265" r:id="rId8"/>
+    <p:sldId id="262" r:id="rId9"/>
+    <p:sldId id="263" r:id="rId10"/>
+    <p:sldId id="264" r:id="rId11"/>
   </p:sldIdLst>
   <p:sldSz cx="12192000" cy="6858000"/>
   <p:notesSz cx="6858000" cy="9144000"/>
@@ -112,6 +113,11 @@
       </a:defRPr>
     </a:lvl9pPr>
   </p:defaultTextStyle>
+  <p:extLst>
+    <p:ext uri="{EFAFB233-063F-42B5-8137-9DF3F51BA10A}">
+      <p15:sldGuideLst xmlns:p15="http://schemas.microsoft.com/office/powerpoint/2012/main"/>
+    </p:ext>
+  </p:extLst>
 </p:presentation>
 </file>
 
@@ -262,7 +268,7 @@
           <a:p>
             <a:fld id="{2136FA38-E0BB-4C8D-B3CB-5BE65F15C88B}" type="datetimeFigureOut">
               <a:rPr lang="en-US" smtClean="0"/>
-              <a:t>4/13/2025</a:t>
+              <a:t>4/28/2025</a:t>
             </a:fld>
             <a:endParaRPr lang="en-US"/>
           </a:p>
@@ -460,7 +466,7 @@
           <a:p>
             <a:fld id="{2136FA38-E0BB-4C8D-B3CB-5BE65F15C88B}" type="datetimeFigureOut">
               <a:rPr lang="en-US" smtClean="0"/>
-              <a:t>4/13/2025</a:t>
+              <a:t>4/28/2025</a:t>
             </a:fld>
             <a:endParaRPr lang="en-US"/>
           </a:p>
@@ -668,7 +674,7 @@
           <a:p>
             <a:fld id="{2136FA38-E0BB-4C8D-B3CB-5BE65F15C88B}" type="datetimeFigureOut">
               <a:rPr lang="en-US" smtClean="0"/>
-              <a:t>4/13/2025</a:t>
+              <a:t>4/28/2025</a:t>
             </a:fld>
             <a:endParaRPr lang="en-US"/>
           </a:p>
@@ -866,7 +872,7 @@
           <a:p>
             <a:fld id="{2136FA38-E0BB-4C8D-B3CB-5BE65F15C88B}" type="datetimeFigureOut">
               <a:rPr lang="en-US" smtClean="0"/>
-              <a:t>4/13/2025</a:t>
+              <a:t>4/28/2025</a:t>
             </a:fld>
             <a:endParaRPr lang="en-US"/>
           </a:p>
@@ -1141,7 +1147,7 @@
           <a:p>
             <a:fld id="{2136FA38-E0BB-4C8D-B3CB-5BE65F15C88B}" type="datetimeFigureOut">
               <a:rPr lang="en-US" smtClean="0"/>
-              <a:t>4/13/2025</a:t>
+              <a:t>4/28/2025</a:t>
             </a:fld>
             <a:endParaRPr lang="en-US"/>
           </a:p>
@@ -1406,7 +1412,7 @@
           <a:p>
             <a:fld id="{2136FA38-E0BB-4C8D-B3CB-5BE65F15C88B}" type="datetimeFigureOut">
               <a:rPr lang="en-US" smtClean="0"/>
-              <a:t>4/13/2025</a:t>
+              <a:t>4/28/2025</a:t>
             </a:fld>
             <a:endParaRPr lang="en-US"/>
           </a:p>
@@ -1818,7 +1824,7 @@
           <a:p>
             <a:fld id="{2136FA38-E0BB-4C8D-B3CB-5BE65F15C88B}" type="datetimeFigureOut">
               <a:rPr lang="en-US" smtClean="0"/>
-              <a:t>4/13/2025</a:t>
+              <a:t>4/28/2025</a:t>
             </a:fld>
             <a:endParaRPr lang="en-US"/>
           </a:p>
@@ -1959,7 +1965,7 @@
           <a:p>
             <a:fld id="{2136FA38-E0BB-4C8D-B3CB-5BE65F15C88B}" type="datetimeFigureOut">
               <a:rPr lang="en-US" smtClean="0"/>
-              <a:t>4/13/2025</a:t>
+              <a:t>4/28/2025</a:t>
             </a:fld>
             <a:endParaRPr lang="en-US"/>
           </a:p>
@@ -2072,7 +2078,7 @@
           <a:p>
             <a:fld id="{2136FA38-E0BB-4C8D-B3CB-5BE65F15C88B}" type="datetimeFigureOut">
               <a:rPr lang="en-US" smtClean="0"/>
-              <a:t>4/13/2025</a:t>
+              <a:t>4/28/2025</a:t>
             </a:fld>
             <a:endParaRPr lang="en-US"/>
           </a:p>
@@ -2383,7 +2389,7 @@
           <a:p>
             <a:fld id="{2136FA38-E0BB-4C8D-B3CB-5BE65F15C88B}" type="datetimeFigureOut">
               <a:rPr lang="en-US" smtClean="0"/>
-              <a:t>4/13/2025</a:t>
+              <a:t>4/28/2025</a:t>
             </a:fld>
             <a:endParaRPr lang="en-US"/>
           </a:p>
@@ -2671,7 +2677,7 @@
           <a:p>
             <a:fld id="{2136FA38-E0BB-4C8D-B3CB-5BE65F15C88B}" type="datetimeFigureOut">
               <a:rPr lang="en-US" smtClean="0"/>
-              <a:t>4/13/2025</a:t>
+              <a:t>4/28/2025</a:t>
             </a:fld>
             <a:endParaRPr lang="en-US"/>
           </a:p>
@@ -2917,7 +2923,7 @@
           <a:p>
             <a:fld id="{2136FA38-E0BB-4C8D-B3CB-5BE65F15C88B}" type="datetimeFigureOut">
               <a:rPr lang="en-US" smtClean="0"/>
-              <a:t>4/13/2025</a:t>
+              <a:t>4/28/2025</a:t>
             </a:fld>
             <a:endParaRPr lang="en-US"/>
           </a:p>
@@ -3444,6 +3450,81 @@
 </p:sld>
 </file>
 
+<file path=ppt/slides/slide10.xml><?xml version="1.0" encoding="utf-8"?>
+<p:sld xmlns:a="http://schemas.openxmlformats.org/drawingml/2006/main" xmlns:r="http://schemas.openxmlformats.org/officeDocument/2006/relationships" xmlns:p="http://schemas.openxmlformats.org/presentationml/2006/main">
+  <p:cSld>
+    <p:spTree>
+      <p:nvGrpSpPr>
+        <p:cNvPr id="1" name=""/>
+        <p:cNvGrpSpPr/>
+        <p:nvPr/>
+      </p:nvGrpSpPr>
+      <p:grpSpPr>
+        <a:xfrm>
+          <a:off x="0" y="0"/>
+          <a:ext cx="0" cy="0"/>
+          <a:chOff x="0" y="0"/>
+          <a:chExt cx="0" cy="0"/>
+        </a:xfrm>
+      </p:grpSpPr>
+      <p:sp>
+        <p:nvSpPr>
+          <p:cNvPr id="2" name="Title 1">
+            <a:extLst>
+              <a:ext uri="{FF2B5EF4-FFF2-40B4-BE49-F238E27FC236}">
+                <a16:creationId xmlns:a16="http://schemas.microsoft.com/office/drawing/2014/main" id="{549AA9D3-0280-A7B1-C813-0DA279FAF21C}"/>
+              </a:ext>
+            </a:extLst>
+          </p:cNvPr>
+          <p:cNvSpPr>
+            <a:spLocks noGrp="1"/>
+          </p:cNvSpPr>
+          <p:nvPr>
+            <p:ph type="ctrTitle"/>
+          </p:nvPr>
+        </p:nvSpPr>
+        <p:spPr>
+          <a:xfrm>
+            <a:off x="1524000" y="1122362"/>
+            <a:ext cx="9144000" cy="2855277"/>
+          </a:xfrm>
+        </p:spPr>
+        <p:txBody>
+          <a:bodyPr/>
+          <a:lstStyle/>
+          <a:p>
+            <a:r>
+              <a:rPr lang="en-US" dirty="0" err="1"/>
+              <a:t>Ďakujem</a:t>
+            </a:r>
+            <a:r>
+              <a:rPr lang="en-US" dirty="0"/>
+              <a:t> za </a:t>
+            </a:r>
+            <a:r>
+              <a:rPr lang="en-US" dirty="0" err="1"/>
+              <a:t>pozornosť</a:t>
+            </a:r>
+            <a:r>
+              <a:rPr lang="en-US" dirty="0"/>
+              <a:t>!</a:t>
+            </a:r>
+          </a:p>
+        </p:txBody>
+      </p:sp>
+    </p:spTree>
+    <p:extLst>
+      <p:ext uri="{BB962C8B-B14F-4D97-AF65-F5344CB8AC3E}">
+        <p14:creationId xmlns:p14="http://schemas.microsoft.com/office/powerpoint/2010/main" val="3706905494"/>
+      </p:ext>
+    </p:extLst>
+  </p:cSld>
+  <p:clrMapOvr>
+    <a:masterClrMapping/>
+  </p:clrMapOvr>
+</p:sld>
+</file>
+
 <file path=ppt/slides/slide2.xml><?xml version="1.0" encoding="utf-8"?>
 <p:sld xmlns:a="http://schemas.openxmlformats.org/drawingml/2006/main" xmlns:r="http://schemas.openxmlformats.org/officeDocument/2006/relationships" xmlns:p="http://schemas.openxmlformats.org/presentationml/2006/main">
   <p:cSld>
@@ -3746,8 +3827,20 @@
           <a:lstStyle/>
           <a:p>
             <a:r>
-              <a:rPr lang="en-US" sz="4000"/>
-              <a:t>Použité dáta </a:t>
+              <a:rPr lang="en-US" sz="4000" dirty="0" err="1"/>
+              <a:t>Použité</a:t>
+            </a:r>
+            <a:r>
+              <a:rPr lang="en-US" sz="4000" dirty="0"/>
+              <a:t> </a:t>
+            </a:r>
+            <a:r>
+              <a:rPr lang="en-US" sz="4000" dirty="0" err="1"/>
+              <a:t>dáta</a:t>
+            </a:r>
+            <a:r>
+              <a:rPr lang="en-US" sz="4000" dirty="0"/>
+              <a:t> </a:t>
             </a:r>
           </a:p>
         </p:txBody>
@@ -3770,8 +3863,8 @@
         </p:nvSpPr>
         <p:spPr>
           <a:xfrm>
-            <a:off x="836680" y="2405067"/>
-            <a:ext cx="6002110" cy="3729034"/>
+            <a:off x="836679" y="1972448"/>
+            <a:ext cx="5603450" cy="3729034"/>
           </a:xfrm>
         </p:spPr>
         <p:txBody>
@@ -3781,448 +3874,297 @@
           <a:lstStyle/>
           <a:p>
             <a:r>
-              <a:rPr lang="en-US" sz="2000" dirty="0"/>
+              <a:rPr lang="en-US" sz="1800" dirty="0"/>
               <a:t>Na </a:t>
             </a:r>
             <a:r>
-              <a:rPr lang="en-US" sz="2000" dirty="0" err="1"/>
+              <a:rPr lang="en-US" sz="1800" dirty="0" err="1"/>
               <a:t>trénovanie</a:t>
             </a:r>
             <a:r>
-              <a:rPr lang="en-US" sz="2000" dirty="0"/>
+              <a:rPr lang="en-US" sz="1800" dirty="0"/>
               <a:t> a </a:t>
             </a:r>
             <a:r>
-              <a:rPr lang="en-US" sz="2000" dirty="0" err="1"/>
+              <a:rPr lang="en-US" sz="1800" dirty="0" err="1"/>
               <a:t>testovanie</a:t>
             </a:r>
             <a:r>
-              <a:rPr lang="en-US" sz="2000" dirty="0"/>
-              <a:t> </a:t>
-            </a:r>
-            <a:r>
-              <a:rPr lang="en-US" sz="2000" dirty="0" err="1"/>
+              <a:rPr lang="en-US" sz="1800" dirty="0"/>
+              <a:t> </a:t>
+            </a:r>
+            <a:r>
+              <a:rPr lang="en-US" sz="1800" dirty="0" err="1"/>
               <a:t>modelov</a:t>
             </a:r>
             <a:r>
-              <a:rPr lang="en-US" sz="2000" dirty="0"/>
-              <a:t> </a:t>
-            </a:r>
-            <a:r>
-              <a:rPr lang="en-US" sz="2000" dirty="0" err="1"/>
+              <a:rPr lang="en-US" sz="1800" dirty="0"/>
+              <a:t> </a:t>
+            </a:r>
+            <a:r>
+              <a:rPr lang="en-US" sz="1800" dirty="0" err="1"/>
               <a:t>bol</a:t>
             </a:r>
             <a:r>
-              <a:rPr lang="en-US" sz="2000" dirty="0"/>
-              <a:t> </a:t>
-            </a:r>
-            <a:r>
-              <a:rPr lang="en-US" sz="2000" dirty="0" err="1"/>
+              <a:rPr lang="en-US" sz="1800" dirty="0"/>
+              <a:t> </a:t>
+            </a:r>
+            <a:r>
+              <a:rPr lang="en-US" sz="1800" dirty="0" err="1"/>
               <a:t>použitý</a:t>
             </a:r>
             <a:r>
-              <a:rPr lang="en-US" sz="2000" dirty="0"/>
+              <a:rPr lang="en-US" sz="1800" dirty="0"/>
               <a:t> Forest Fire Dataset, </a:t>
             </a:r>
             <a:r>
-              <a:rPr lang="en-US" sz="2000" dirty="0" err="1"/>
+              <a:rPr lang="en-US" sz="1800" dirty="0" err="1"/>
               <a:t>ktorý</a:t>
             </a:r>
             <a:r>
-              <a:rPr lang="en-US" sz="2000" dirty="0"/>
-              <a:t> </a:t>
-            </a:r>
-            <a:r>
-              <a:rPr lang="en-US" sz="2000" dirty="0" err="1"/>
+              <a:rPr lang="en-US" sz="1800" dirty="0"/>
+              <a:t> </a:t>
+            </a:r>
+            <a:r>
+              <a:rPr lang="en-US" sz="1800" dirty="0" err="1"/>
               <a:t>obsahuje</a:t>
             </a:r>
             <a:r>
-              <a:rPr lang="en-US" sz="2000" dirty="0"/>
-              <a:t> 1898 </a:t>
-            </a:r>
-            <a:r>
-              <a:rPr lang="en-US" sz="2000" dirty="0" err="1"/>
+              <a:rPr lang="en-US" sz="1800" dirty="0"/>
+              <a:t> 1948 </a:t>
+            </a:r>
+            <a:r>
+              <a:rPr lang="en-US" sz="1800" dirty="0" err="1"/>
               <a:t>obrázkov</a:t>
             </a:r>
             <a:r>
-              <a:rPr lang="en-US" sz="2000" dirty="0"/>
-              <a:t>, </a:t>
-            </a:r>
-            <a:r>
-              <a:rPr lang="en-US" sz="2000" dirty="0" err="1"/>
+              <a:rPr lang="en-US" sz="1800" dirty="0"/>
+              <a:t>.</a:t>
+            </a:r>
+          </a:p>
+          <a:p>
+            <a:r>
+              <a:rPr lang="en-US" sz="1800" dirty="0"/>
+              <a:t>Dataset </a:t>
+            </a:r>
+            <a:r>
+              <a:rPr lang="en-US" sz="1800" dirty="0" err="1"/>
+              <a:t>bol</a:t>
+            </a:r>
+            <a:r>
+              <a:rPr lang="en-US" sz="1800" dirty="0"/>
+              <a:t> </a:t>
+            </a:r>
+            <a:r>
+              <a:rPr lang="en-US" sz="1800" dirty="0" err="1"/>
               <a:t>rovnomerne</a:t>
             </a:r>
             <a:r>
-              <a:rPr lang="en-US" sz="2000" dirty="0"/>
-              <a:t> </a:t>
-            </a:r>
-            <a:r>
-              <a:rPr lang="en-US" sz="2000" dirty="0" err="1"/>
-              <a:t>rozdelených</a:t>
-            </a:r>
-            <a:r>
-              <a:rPr lang="en-US" sz="2000" dirty="0"/>
-              <a:t> </a:t>
-            </a:r>
-            <a:r>
-              <a:rPr lang="en-US" sz="2000" dirty="0" err="1"/>
+              <a:rPr lang="en-US" sz="1800" dirty="0"/>
+              <a:t> </a:t>
+            </a:r>
+            <a:r>
+              <a:rPr lang="en-US" sz="1800" dirty="0" err="1"/>
+              <a:t>rozdelený</a:t>
+            </a:r>
+            <a:r>
+              <a:rPr lang="en-US" sz="1800" dirty="0"/>
+              <a:t> </a:t>
+            </a:r>
+            <a:r>
+              <a:rPr lang="en-US" sz="1800" dirty="0" err="1"/>
               <a:t>medzi</a:t>
             </a:r>
             <a:r>
-              <a:rPr lang="en-US" sz="2000" dirty="0"/>
-              <a:t> </a:t>
-            </a:r>
-            <a:r>
-              <a:rPr lang="en-US" sz="2000" dirty="0" err="1"/>
+              <a:rPr lang="en-US" sz="1800" dirty="0"/>
+              <a:t> </a:t>
+            </a:r>
+            <a:r>
+              <a:rPr lang="en-US" sz="1800" dirty="0" err="1"/>
               <a:t>kategórie</a:t>
             </a:r>
             <a:r>
-              <a:rPr lang="en-US" sz="2000" dirty="0"/>
+              <a:rPr lang="en-US" sz="1800" dirty="0"/>
               <a:t> „</a:t>
             </a:r>
             <a:r>
-              <a:rPr lang="en-US" sz="2000" dirty="0" err="1"/>
+              <a:rPr lang="en-US" sz="1800" dirty="0" err="1"/>
               <a:t>oheň</a:t>
             </a:r>
             <a:r>
-              <a:rPr lang="en-US" sz="2000" dirty="0"/>
+              <a:rPr lang="en-US" sz="1800" dirty="0"/>
               <a:t>“ a „bez </a:t>
             </a:r>
             <a:r>
-              <a:rPr lang="en-US" sz="2000" dirty="0" err="1"/>
+              <a:rPr lang="en-US" sz="1800" dirty="0" err="1"/>
               <a:t>ohňa</a:t>
             </a:r>
             <a:r>
-              <a:rPr lang="en-US" sz="2000" dirty="0"/>
+              <a:rPr lang="en-US" sz="1800" dirty="0"/>
               <a:t>“ (949 </a:t>
             </a:r>
             <a:r>
-              <a:rPr lang="en-US" sz="2000" dirty="0" err="1"/>
+              <a:rPr lang="en-US" sz="1800" dirty="0" err="1"/>
               <a:t>obrázkov</a:t>
             </a:r>
             <a:r>
-              <a:rPr lang="en-US" sz="2000" dirty="0"/>
+              <a:rPr lang="en-US" sz="1800" dirty="0"/>
               <a:t> pre </a:t>
             </a:r>
             <a:r>
-              <a:rPr lang="en-US" sz="2000" dirty="0" err="1"/>
+              <a:rPr lang="en-US" sz="1800" dirty="0" err="1"/>
               <a:t>každú</a:t>
             </a:r>
             <a:r>
-              <a:rPr lang="en-US" sz="2000" dirty="0"/>
-              <a:t> </a:t>
-            </a:r>
-            <a:r>
-              <a:rPr lang="en-US" sz="2000" dirty="0" err="1"/>
+              <a:rPr lang="en-US" sz="1800" dirty="0"/>
+              <a:t> </a:t>
+            </a:r>
+            <a:r>
+              <a:rPr lang="en-US" sz="1800" dirty="0" err="1"/>
               <a:t>triedu</a:t>
             </a:r>
             <a:r>
-              <a:rPr lang="en-US" sz="2000" dirty="0"/>
-              <a:t>). </a:t>
-            </a:r>
-            <a:r>
-              <a:rPr lang="en-US" sz="2000" dirty="0" err="1"/>
+              <a:rPr lang="en-US" sz="1800" dirty="0"/>
+              <a:t>).</a:t>
+            </a:r>
+          </a:p>
+          <a:p>
+            <a:r>
+              <a:rPr lang="en-US" sz="1800" dirty="0" err="1"/>
               <a:t>Všetky</a:t>
             </a:r>
             <a:r>
-              <a:rPr lang="en-US" sz="2000" dirty="0"/>
-              <a:t> </a:t>
-            </a:r>
-            <a:r>
-              <a:rPr lang="en-US" sz="2000" dirty="0" err="1"/>
+              <a:rPr lang="en-US" sz="1800" dirty="0"/>
+              <a:t> </a:t>
+            </a:r>
+            <a:r>
+              <a:rPr lang="en-US" sz="1800" dirty="0" err="1"/>
               <a:t>obrázky</a:t>
             </a:r>
             <a:r>
-              <a:rPr lang="en-US" sz="2000" dirty="0"/>
-              <a:t> </a:t>
-            </a:r>
-            <a:r>
-              <a:rPr lang="en-US" sz="2000" dirty="0" err="1"/>
+              <a:rPr lang="en-US" sz="1800" dirty="0"/>
+              <a:t> </a:t>
+            </a:r>
+            <a:r>
+              <a:rPr lang="en-US" sz="1800" dirty="0" err="1"/>
               <a:t>boli</a:t>
             </a:r>
             <a:r>
-              <a:rPr lang="en-US" sz="2000" dirty="0"/>
-              <a:t> </a:t>
-            </a:r>
-            <a:r>
-              <a:rPr lang="en-US" sz="2000" dirty="0" err="1"/>
+              <a:rPr lang="en-US" sz="1800" dirty="0"/>
+              <a:t> </a:t>
+            </a:r>
+            <a:r>
+              <a:rPr lang="en-US" sz="1800" dirty="0" err="1"/>
               <a:t>zjednotené</a:t>
             </a:r>
             <a:r>
-              <a:rPr lang="en-US" sz="2000" dirty="0"/>
-              <a:t> </a:t>
-            </a:r>
-            <a:r>
-              <a:rPr lang="en-US" sz="2000" dirty="0" err="1"/>
+              <a:rPr lang="en-US" sz="1800" dirty="0"/>
+              <a:t> </a:t>
+            </a:r>
+            <a:r>
+              <a:rPr lang="en-US" sz="1800" dirty="0" err="1"/>
               <a:t>na</a:t>
             </a:r>
             <a:r>
-              <a:rPr lang="en-US" sz="2000" dirty="0"/>
-              <a:t> </a:t>
-            </a:r>
-            <a:r>
-              <a:rPr lang="en-US" sz="2000" dirty="0" err="1"/>
+              <a:rPr lang="en-US" sz="1800" dirty="0"/>
+              <a:t> </a:t>
+            </a:r>
+            <a:r>
+              <a:rPr lang="en-US" sz="1800" dirty="0" err="1"/>
               <a:t>rozlíšenie</a:t>
             </a:r>
             <a:r>
-              <a:rPr lang="en-US" sz="2000" dirty="0"/>
+              <a:rPr lang="en-US" sz="1800" dirty="0"/>
               <a:t> 150×150 </a:t>
             </a:r>
             <a:r>
-              <a:rPr lang="en-US" sz="2000" dirty="0" err="1"/>
+              <a:rPr lang="en-US" sz="1800" dirty="0" err="1"/>
               <a:t>pixelov</a:t>
             </a:r>
             <a:r>
-              <a:rPr lang="en-US" sz="2000" dirty="0"/>
+              <a:rPr lang="en-US" sz="1800" dirty="0"/>
               <a:t> a </a:t>
             </a:r>
             <a:r>
-              <a:rPr lang="en-US" sz="2000" dirty="0" err="1"/>
-              <a:t>normalizované</a:t>
-            </a:r>
-            <a:r>
-              <a:rPr lang="en-US" sz="2000" dirty="0"/>
-              <a:t> </a:t>
-            </a:r>
-            <a:r>
-              <a:rPr lang="en-US" sz="2000" dirty="0" err="1"/>
-              <a:t>na</a:t>
-            </a:r>
-            <a:r>
-              <a:rPr lang="en-US" sz="2000" dirty="0"/>
-              <a:t> </a:t>
-            </a:r>
-            <a:r>
-              <a:rPr lang="en-US" sz="2000" dirty="0" err="1"/>
-              <a:t>hodnoty</a:t>
-            </a:r>
-            <a:r>
-              <a:rPr lang="en-US" sz="2000" dirty="0"/>
-              <a:t> v </a:t>
-            </a:r>
-            <a:r>
-              <a:rPr lang="en-US" sz="2000" dirty="0" err="1"/>
-              <a:t>rozsahu</a:t>
-            </a:r>
-            <a:r>
-              <a:rPr lang="en-US" sz="2000" dirty="0"/>
-              <a:t> 0 </a:t>
-            </a:r>
-            <a:r>
-              <a:rPr lang="en-US" sz="2000" dirty="0" err="1"/>
-              <a:t>až</a:t>
-            </a:r>
-            <a:r>
-              <a:rPr lang="en-US" sz="2000" dirty="0"/>
-              <a:t> 1. </a:t>
-            </a:r>
-            <a:r>
-              <a:rPr lang="en-US" sz="2000" dirty="0" err="1"/>
-              <a:t>Dáta</a:t>
-            </a:r>
-            <a:r>
-              <a:rPr lang="en-US" sz="2000" dirty="0"/>
-              <a:t> </a:t>
-            </a:r>
-            <a:r>
-              <a:rPr lang="en-US" sz="2000" dirty="0" err="1"/>
-              <a:t>boli</a:t>
-            </a:r>
-            <a:r>
-              <a:rPr lang="en-US" sz="2000" dirty="0"/>
-              <a:t> </a:t>
-            </a:r>
-            <a:r>
-              <a:rPr lang="en-US" sz="2000" dirty="0" err="1"/>
-              <a:t>rozdelené</a:t>
-            </a:r>
-            <a:r>
-              <a:rPr lang="en-US" sz="2000" dirty="0"/>
-              <a:t> </a:t>
-            </a:r>
-            <a:r>
-              <a:rPr lang="en-US" sz="2000" dirty="0" err="1"/>
-              <a:t>na</a:t>
-            </a:r>
-            <a:r>
-              <a:rPr lang="en-US" sz="2000" dirty="0"/>
-              <a:t> 80 % pre </a:t>
-            </a:r>
-            <a:r>
-              <a:rPr lang="en-US" sz="2000" dirty="0" err="1"/>
-              <a:t>trénovanie</a:t>
-            </a:r>
-            <a:r>
-              <a:rPr lang="en-US" sz="2000" dirty="0"/>
-              <a:t> a 20 % pre </a:t>
-            </a:r>
-            <a:r>
-              <a:rPr lang="en-US" sz="2000" dirty="0" err="1"/>
-              <a:t>testovanie</a:t>
-            </a:r>
-            <a:r>
-              <a:rPr lang="en-US" sz="2000" dirty="0"/>
-              <a:t>, </a:t>
-            </a:r>
-            <a:r>
-              <a:rPr lang="en-US" sz="2000" dirty="0" err="1"/>
-              <a:t>pričom</a:t>
-            </a:r>
-            <a:r>
-              <a:rPr lang="en-US" sz="2000" dirty="0"/>
-              <a:t> 20 % </a:t>
-            </a:r>
-            <a:r>
-              <a:rPr lang="en-US" sz="2000" dirty="0" err="1"/>
-              <a:t>trénovacích</a:t>
-            </a:r>
-            <a:r>
-              <a:rPr lang="en-US" sz="2000" dirty="0"/>
-              <a:t> </a:t>
-            </a:r>
-            <a:r>
-              <a:rPr lang="en-US" sz="2000" dirty="0" err="1"/>
+              <a:rPr lang="pl-PL" sz="1800" dirty="0"/>
+              <a:t>normalizované na hodnoty v rozsahu 0 až 1.</a:t>
+            </a:r>
+            <a:endParaRPr lang="en-US" sz="1800" dirty="0"/>
+          </a:p>
+          <a:p>
+            <a:r>
+              <a:rPr lang="it-IT" sz="1800" dirty="0"/>
+              <a:t>Dáta boli rozdelené na 80 % pre trénovanie a 20 % pre testovanie.</a:t>
+            </a:r>
+            <a:endParaRPr lang="en-US" sz="1800" dirty="0"/>
+          </a:p>
+          <a:p>
+            <a:r>
+              <a:rPr lang="pt-BR" sz="1800" dirty="0"/>
+              <a:t>Z trénovacích dát bolo 20 % vyhradených na validáciu.</a:t>
+            </a:r>
+            <a:endParaRPr lang="en-US" sz="1800" dirty="0"/>
+          </a:p>
+          <a:p>
+            <a:r>
+              <a:rPr lang="en-US" sz="1800" dirty="0"/>
+              <a:t>Na </a:t>
+            </a:r>
+            <a:r>
+              <a:rPr lang="en-US" sz="1800" dirty="0" err="1"/>
+              <a:t>zvýšenie</a:t>
+            </a:r>
+            <a:r>
+              <a:rPr lang="en-US" sz="1800" dirty="0"/>
+              <a:t> </a:t>
+            </a:r>
+            <a:r>
+              <a:rPr lang="en-US" sz="1800" dirty="0" err="1"/>
+              <a:t>robustnosti</a:t>
+            </a:r>
+            <a:r>
+              <a:rPr lang="en-US" sz="1800" dirty="0"/>
+              <a:t> </a:t>
+            </a:r>
+            <a:r>
+              <a:rPr lang="en-US" sz="1800" dirty="0" err="1"/>
+              <a:t>modelov</a:t>
+            </a:r>
+            <a:r>
+              <a:rPr lang="en-US" sz="1800" dirty="0"/>
+              <a:t> bola </a:t>
+            </a:r>
+            <a:r>
+              <a:rPr lang="en-US" sz="1800" dirty="0" err="1"/>
+              <a:t>použitá</a:t>
+            </a:r>
+            <a:r>
+              <a:rPr lang="en-US" sz="1800" dirty="0"/>
+              <a:t> </a:t>
+            </a:r>
+            <a:r>
+              <a:rPr lang="en-US" sz="1800" dirty="0" err="1"/>
+              <a:t>technika</a:t>
+            </a:r>
+            <a:r>
+              <a:rPr lang="en-US" sz="1800" dirty="0"/>
+              <a:t> </a:t>
+            </a:r>
+            <a:r>
+              <a:rPr lang="en-US" sz="1800" dirty="0" err="1"/>
+              <a:t>rozšírenia</a:t>
+            </a:r>
+            <a:r>
+              <a:rPr lang="en-US" sz="1800" dirty="0"/>
+              <a:t> </a:t>
+            </a:r>
+            <a:r>
+              <a:rPr lang="en-US" sz="1800" dirty="0" err="1"/>
               <a:t>dát</a:t>
             </a:r>
             <a:r>
-              <a:rPr lang="en-US" sz="2000" dirty="0"/>
-              <a:t> bolo </a:t>
-            </a:r>
-            <a:r>
-              <a:rPr lang="en-US" sz="2000" dirty="0" err="1"/>
-              <a:t>vyhradených</a:t>
-            </a:r>
-            <a:r>
-              <a:rPr lang="en-US" sz="2000" dirty="0"/>
-              <a:t> </a:t>
-            </a:r>
-            <a:r>
-              <a:rPr lang="en-US" sz="2000" dirty="0" err="1"/>
-              <a:t>na</a:t>
-            </a:r>
-            <a:r>
-              <a:rPr lang="en-US" sz="2000" dirty="0"/>
-              <a:t> </a:t>
-            </a:r>
-            <a:r>
-              <a:rPr lang="en-US" sz="2000" dirty="0" err="1"/>
-              <a:t>validáciu</a:t>
-            </a:r>
-            <a:r>
-              <a:rPr lang="en-US" sz="2000" dirty="0"/>
-              <a:t>. Na </a:t>
-            </a:r>
-            <a:r>
-              <a:rPr lang="en-US" sz="2000" dirty="0" err="1"/>
-              <a:t>zvýšenie</a:t>
-            </a:r>
-            <a:r>
-              <a:rPr lang="en-US" sz="2000" dirty="0"/>
-              <a:t> </a:t>
-            </a:r>
-            <a:r>
-              <a:rPr lang="en-US" sz="2000" dirty="0" err="1"/>
-              <a:t>robustnosti</a:t>
-            </a:r>
-            <a:r>
-              <a:rPr lang="en-US" sz="2000" dirty="0"/>
-              <a:t> </a:t>
-            </a:r>
-            <a:r>
-              <a:rPr lang="en-US" sz="2000" dirty="0" err="1"/>
-              <a:t>modelov</a:t>
-            </a:r>
-            <a:r>
-              <a:rPr lang="en-US" sz="2000" dirty="0"/>
-              <a:t> bola </a:t>
-            </a:r>
-            <a:r>
-              <a:rPr lang="en-US" sz="2000" dirty="0" err="1"/>
-              <a:t>použitá</a:t>
-            </a:r>
-            <a:r>
-              <a:rPr lang="en-US" sz="2000" dirty="0"/>
-              <a:t> </a:t>
-            </a:r>
-            <a:r>
-              <a:rPr lang="en-US" sz="2000" dirty="0" err="1"/>
-              <a:t>technika</a:t>
-            </a:r>
-            <a:r>
-              <a:rPr lang="en-US" sz="2000" dirty="0"/>
-              <a:t> </a:t>
-            </a:r>
-            <a:r>
-              <a:rPr lang="en-US" sz="2000" dirty="0" err="1"/>
-              <a:t>rozšírenia</a:t>
-            </a:r>
-            <a:r>
-              <a:rPr lang="en-US" sz="2000" dirty="0"/>
-              <a:t> </a:t>
-            </a:r>
-            <a:r>
-              <a:rPr lang="en-US" sz="2000" dirty="0" err="1"/>
-              <a:t>dát</a:t>
-            </a:r>
-            <a:r>
-              <a:rPr lang="en-US" sz="2000" dirty="0"/>
-              <a:t> (data augmentation), </a:t>
-            </a:r>
-            <a:r>
-              <a:rPr lang="en-US" sz="2000" dirty="0" err="1"/>
-              <a:t>ktorá</a:t>
-            </a:r>
-            <a:r>
-              <a:rPr lang="en-US" sz="2000" dirty="0"/>
-              <a:t> </a:t>
-            </a:r>
-            <a:r>
-              <a:rPr lang="en-US" sz="2000" dirty="0" err="1"/>
-              <a:t>zahŕňala</a:t>
-            </a:r>
-            <a:r>
-              <a:rPr lang="en-US" sz="2000" dirty="0"/>
-              <a:t> </a:t>
-            </a:r>
-            <a:r>
-              <a:rPr lang="en-US" sz="2000" dirty="0" err="1"/>
-              <a:t>napríklad</a:t>
-            </a:r>
-            <a:r>
-              <a:rPr lang="en-US" sz="2000" dirty="0"/>
-              <a:t> </a:t>
-            </a:r>
-            <a:r>
-              <a:rPr lang="en-US" sz="2000" dirty="0" err="1"/>
-              <a:t>rotáciu</a:t>
-            </a:r>
-            <a:r>
-              <a:rPr lang="en-US" sz="2000" dirty="0"/>
-              <a:t>, </a:t>
-            </a:r>
-            <a:r>
-              <a:rPr lang="en-US" sz="2000" dirty="0" err="1"/>
-              <a:t>zrkadlenie</a:t>
-            </a:r>
-            <a:r>
-              <a:rPr lang="en-US" sz="2000" dirty="0"/>
-              <a:t> a </a:t>
-            </a:r>
-            <a:r>
-              <a:rPr lang="en-US" sz="2000" dirty="0" err="1"/>
-              <a:t>priblíženie</a:t>
-            </a:r>
-            <a:r>
-              <a:rPr lang="en-US" sz="2000" dirty="0"/>
-              <a:t> </a:t>
-            </a:r>
-            <a:r>
-              <a:rPr lang="en-US" sz="2000" dirty="0" err="1"/>
-              <a:t>obrázkov</a:t>
-            </a:r>
-            <a:r>
-              <a:rPr lang="en-US" sz="2000" dirty="0"/>
-              <a:t>.</a:t>
+              <a:rPr lang="en-US" sz="1800" dirty="0"/>
+              <a:t> (data augmentation).</a:t>
             </a:r>
           </a:p>
         </p:txBody>
@@ -4362,7 +4304,7 @@
         </p:spPr>
         <p:txBody>
           <a:bodyPr>
-            <a:normAutofit lnSpcReduction="10000"/>
+            <a:normAutofit/>
           </a:bodyPr>
           <a:lstStyle/>
           <a:p>
@@ -4589,62 +4531,6 @@
             <a:r>
               <a:rPr lang="en-US" sz="2000" dirty="0" err="1"/>
               <a:t>klasifikáciu</a:t>
-            </a:r>
-            <a:r>
-              <a:rPr lang="en-US" sz="2000" dirty="0"/>
-              <a:t>. Model </a:t>
-            </a:r>
-            <a:r>
-              <a:rPr lang="en-US" sz="2000" dirty="0" err="1"/>
-              <a:t>bol</a:t>
-            </a:r>
-            <a:r>
-              <a:rPr lang="en-US" sz="2000" dirty="0"/>
-              <a:t> </a:t>
-            </a:r>
-            <a:r>
-              <a:rPr lang="en-US" sz="2000" dirty="0" err="1"/>
-              <a:t>trénovaný</a:t>
-            </a:r>
-            <a:r>
-              <a:rPr lang="en-US" sz="2000" dirty="0"/>
-              <a:t> end-to-end </a:t>
-            </a:r>
-            <a:r>
-              <a:rPr lang="en-US" sz="2000" dirty="0" err="1"/>
-              <a:t>pomocou</a:t>
-            </a:r>
-            <a:r>
-              <a:rPr lang="en-US" sz="2000" dirty="0"/>
-              <a:t> </a:t>
-            </a:r>
-            <a:r>
-              <a:rPr lang="en-US" sz="2000" dirty="0" err="1"/>
-              <a:t>funkcie</a:t>
-            </a:r>
-            <a:r>
-              <a:rPr lang="en-US" sz="2000" dirty="0"/>
-              <a:t> </a:t>
-            </a:r>
-            <a:r>
-              <a:rPr lang="en-US" sz="2000" dirty="0" err="1"/>
-              <a:t>straty</a:t>
-            </a:r>
-            <a:r>
-              <a:rPr lang="en-US" sz="2000" dirty="0"/>
-              <a:t> </a:t>
-            </a:r>
-            <a:r>
-              <a:rPr lang="en-US" sz="2000" dirty="0" err="1"/>
-              <a:t>binárnej</a:t>
-            </a:r>
-            <a:r>
-              <a:rPr lang="en-US" sz="2000" dirty="0"/>
-              <a:t> </a:t>
-            </a:r>
-            <a:r>
-              <a:rPr lang="en-US" sz="2000" dirty="0" err="1"/>
-              <a:t>entropie</a:t>
             </a:r>
             <a:r>
               <a:rPr lang="en-US" sz="2000" dirty="0"/>
@@ -5041,231 +4927,162 @@
         </p:nvSpPr>
         <p:spPr>
           <a:xfrm>
-            <a:off x="838200" y="1825625"/>
-            <a:ext cx="10515600" cy="1325563"/>
+            <a:off x="838200" y="1520825"/>
+            <a:ext cx="10515600" cy="1615665"/>
           </a:xfrm>
         </p:spPr>
         <p:txBody>
           <a:bodyPr>
-            <a:normAutofit/>
+            <a:noAutofit/>
           </a:bodyPr>
           <a:lstStyle/>
           <a:p>
             <a:r>
-              <a:rPr lang="en-US" sz="2000" dirty="0" err="1"/>
+              <a:rPr lang="en-US" sz="1800" dirty="0" err="1"/>
               <a:t>Experimenty</a:t>
             </a:r>
             <a:r>
-              <a:rPr lang="en-US" sz="2000" dirty="0"/>
-              <a:t> </a:t>
-            </a:r>
-            <a:r>
-              <a:rPr lang="en-US" sz="2000" dirty="0" err="1"/>
+              <a:rPr lang="en-US" sz="1800" dirty="0"/>
+              <a:t> </a:t>
+            </a:r>
+            <a:r>
+              <a:rPr lang="en-US" sz="1800" dirty="0" err="1"/>
               <a:t>boli</a:t>
             </a:r>
             <a:r>
-              <a:rPr lang="en-US" sz="2000" dirty="0"/>
-              <a:t> </a:t>
-            </a:r>
-            <a:r>
-              <a:rPr lang="en-US" sz="2000" dirty="0" err="1"/>
+              <a:rPr lang="en-US" sz="1800" dirty="0"/>
+              <a:t> </a:t>
+            </a:r>
+            <a:r>
+              <a:rPr lang="en-US" sz="1800" dirty="0" err="1"/>
               <a:t>realizované</a:t>
             </a:r>
             <a:r>
-              <a:rPr lang="en-US" sz="2000" dirty="0"/>
+              <a:rPr lang="en-US" sz="1800" dirty="0"/>
               <a:t> v Google </a:t>
             </a:r>
             <a:r>
-              <a:rPr lang="en-US" sz="2000" dirty="0" err="1"/>
+              <a:rPr lang="en-US" sz="1800" dirty="0" err="1"/>
               <a:t>Colab</a:t>
             </a:r>
             <a:r>
-              <a:rPr lang="en-US" sz="2000" dirty="0"/>
+              <a:rPr lang="en-US" sz="1800" dirty="0"/>
               <a:t> s </a:t>
             </a:r>
             <a:r>
-              <a:rPr lang="en-US" sz="2000" dirty="0" err="1"/>
+              <a:rPr lang="en-US" sz="1800" dirty="0" err="1"/>
               <a:t>využitím</a:t>
             </a:r>
             <a:r>
-              <a:rPr lang="en-US" sz="2000" dirty="0"/>
-              <a:t> GPU. Na </a:t>
-            </a:r>
-            <a:r>
-              <a:rPr lang="en-US" sz="2000" dirty="0" err="1"/>
+              <a:rPr lang="en-US" sz="1800" dirty="0"/>
+              <a:t> GPU T4.</a:t>
+            </a:r>
+          </a:p>
+          <a:p>
+            <a:r>
+              <a:rPr lang="en-US" sz="1800" dirty="0"/>
+              <a:t>Na </a:t>
+            </a:r>
+            <a:r>
+              <a:rPr lang="en-US" sz="1800" dirty="0" err="1"/>
               <a:t>zabezpečenie</a:t>
             </a:r>
             <a:r>
-              <a:rPr lang="en-US" sz="2000" dirty="0"/>
-              <a:t> </a:t>
-            </a:r>
-            <a:r>
-              <a:rPr lang="en-US" sz="2000" dirty="0" err="1"/>
+              <a:rPr lang="en-US" sz="1800" dirty="0"/>
+              <a:t> </a:t>
+            </a:r>
+            <a:r>
+              <a:rPr lang="en-US" sz="1800" dirty="0" err="1"/>
               <a:t>reprodukovateľnosti</a:t>
             </a:r>
             <a:r>
-              <a:rPr lang="en-US" sz="2000" dirty="0"/>
-              <a:t> </a:t>
-            </a:r>
-            <a:r>
-              <a:rPr lang="en-US" sz="2000" dirty="0" err="1"/>
+              <a:rPr lang="en-US" sz="1800" dirty="0"/>
+              <a:t> </a:t>
+            </a:r>
+            <a:r>
+              <a:rPr lang="en-US" sz="1800" dirty="0" err="1"/>
               <a:t>výsledkov</a:t>
             </a:r>
             <a:r>
-              <a:rPr lang="en-US" sz="2000" dirty="0"/>
-              <a:t> </a:t>
-            </a:r>
-            <a:r>
-              <a:rPr lang="en-US" sz="2000" dirty="0" err="1"/>
+              <a:rPr lang="en-US" sz="1800" dirty="0"/>
+              <a:t> </a:t>
+            </a:r>
+            <a:r>
+              <a:rPr lang="en-US" sz="1800" dirty="0" err="1"/>
               <a:t>bol</a:t>
             </a:r>
             <a:r>
-              <a:rPr lang="en-US" sz="2000" dirty="0"/>
-              <a:t> </a:t>
-            </a:r>
-            <a:r>
-              <a:rPr lang="en-US" sz="2000" dirty="0" err="1"/>
+              <a:rPr lang="en-US" sz="1800" dirty="0"/>
+              <a:t> </a:t>
+            </a:r>
+            <a:r>
+              <a:rPr lang="en-US" sz="1800" dirty="0" err="1"/>
               <a:t>nastavený</a:t>
             </a:r>
             <a:r>
-              <a:rPr lang="en-US" sz="2000" dirty="0"/>
-              <a:t> random seed. Na </a:t>
-            </a:r>
-            <a:r>
-              <a:rPr lang="en-US" sz="2000" dirty="0" err="1"/>
-              <a:t>hodnotenie</a:t>
-            </a:r>
-            <a:r>
-              <a:rPr lang="en-US" sz="2000" dirty="0"/>
-              <a:t> </a:t>
-            </a:r>
-            <a:r>
-              <a:rPr lang="en-US" sz="2000" dirty="0" err="1"/>
-              <a:t>výkonu</a:t>
-            </a:r>
-            <a:r>
-              <a:rPr lang="en-US" sz="2000" dirty="0"/>
-              <a:t> </a:t>
-            </a:r>
-            <a:r>
-              <a:rPr lang="en-US" sz="2000" dirty="0" err="1"/>
+              <a:rPr lang="en-US" sz="1800" dirty="0"/>
+              <a:t> random seed.</a:t>
+            </a:r>
+          </a:p>
+          <a:p>
+            <a:r>
+              <a:rPr lang="it-IT" sz="1800" dirty="0"/>
+              <a:t>Na hodnotenie výkonu modelov boli použité metriky: accuracy, precision, recall a F1-skóre.</a:t>
+            </a:r>
+            <a:endParaRPr lang="en-US" sz="1800" dirty="0"/>
+          </a:p>
+          <a:p>
+            <a:r>
+              <a:rPr lang="en-US" sz="1800" dirty="0"/>
+              <a:t>Pri </a:t>
+            </a:r>
+            <a:r>
+              <a:rPr lang="en-US" sz="1800" dirty="0" err="1"/>
+              <a:t>trénovaní</a:t>
+            </a:r>
+            <a:r>
+              <a:rPr lang="en-US" sz="1800" dirty="0"/>
+              <a:t> </a:t>
+            </a:r>
+            <a:r>
+              <a:rPr lang="en-US" sz="1800" dirty="0" err="1"/>
               <a:t>modelov</a:t>
             </a:r>
             <a:r>
-              <a:rPr lang="en-US" sz="2000" dirty="0"/>
-              <a:t> </a:t>
-            </a:r>
-            <a:r>
-              <a:rPr lang="en-US" sz="2000" dirty="0" err="1"/>
-              <a:t>boli</a:t>
-            </a:r>
-            <a:r>
-              <a:rPr lang="en-US" sz="2000" dirty="0"/>
-              <a:t> </a:t>
-            </a:r>
-            <a:r>
-              <a:rPr lang="en-US" sz="2000" dirty="0" err="1"/>
-              <a:t>použité</a:t>
-            </a:r>
-            <a:r>
-              <a:rPr lang="en-US" sz="2000" dirty="0"/>
-              <a:t> </a:t>
-            </a:r>
-            <a:r>
-              <a:rPr lang="en-US" sz="2000" dirty="0" err="1"/>
-              <a:t>nasledujúce</a:t>
-            </a:r>
-            <a:r>
-              <a:rPr lang="en-US" sz="2000" dirty="0"/>
-              <a:t> </a:t>
-            </a:r>
-            <a:r>
-              <a:rPr lang="en-US" sz="2000" dirty="0" err="1"/>
-              <a:t>metriky</a:t>
-            </a:r>
-            <a:r>
-              <a:rPr lang="en-US" sz="2000" dirty="0"/>
-              <a:t>: accuracy, precision, recall a F1-skore. </a:t>
-            </a:r>
-            <a:r>
-              <a:rPr lang="en-US" sz="2000" dirty="0" err="1"/>
-              <a:t>Výsledky</a:t>
-            </a:r>
-            <a:r>
-              <a:rPr lang="en-US" sz="2000" dirty="0"/>
-              <a:t> </a:t>
-            </a:r>
-            <a:r>
-              <a:rPr lang="en-US" sz="2000" dirty="0" err="1"/>
-              <a:t>sú</a:t>
-            </a:r>
-            <a:r>
-              <a:rPr lang="en-US" sz="2000" dirty="0"/>
-              <a:t> </a:t>
-            </a:r>
-            <a:r>
-              <a:rPr lang="en-US" sz="2000" dirty="0" err="1"/>
-              <a:t>prezentované</a:t>
-            </a:r>
-            <a:r>
-              <a:rPr lang="en-US" sz="2000" dirty="0"/>
-              <a:t> v </a:t>
-            </a:r>
-            <a:r>
-              <a:rPr lang="en-US" sz="2000" dirty="0" err="1"/>
-              <a:t>tabuľkách</a:t>
-            </a:r>
-            <a:r>
-              <a:rPr lang="en-US" sz="2000" dirty="0"/>
-              <a:t> </a:t>
-            </a:r>
-            <a:r>
-              <a:rPr lang="en-US" sz="2000" dirty="0" err="1"/>
-              <a:t>nižšie</a:t>
-            </a:r>
-            <a:r>
-              <a:rPr lang="en-US" sz="2000" dirty="0"/>
-              <a:t> pre </a:t>
-            </a:r>
-            <a:r>
-              <a:rPr lang="en-US" sz="2000" dirty="0" err="1"/>
-              <a:t>pôvodný</a:t>
-            </a:r>
-            <a:r>
-              <a:rPr lang="en-US" sz="2000" dirty="0"/>
-              <a:t> </a:t>
-            </a:r>
-            <a:r>
-              <a:rPr lang="en-US" sz="2000" dirty="0" err="1"/>
-              <a:t>článok</a:t>
-            </a:r>
-            <a:r>
-              <a:rPr lang="en-US" sz="2000" dirty="0"/>
-              <a:t> </a:t>
-            </a:r>
-            <a:r>
-              <a:rPr lang="en-US" sz="2000" dirty="0" err="1"/>
-              <a:t>aj</a:t>
-            </a:r>
-            <a:r>
-              <a:rPr lang="en-US" sz="2000" dirty="0"/>
-              <a:t> pre </a:t>
-            </a:r>
-            <a:r>
-              <a:rPr lang="en-US" sz="2000" dirty="0" err="1"/>
-              <a:t>našu</a:t>
-            </a:r>
-            <a:r>
-              <a:rPr lang="en-US" sz="2000" dirty="0"/>
-              <a:t> </a:t>
-            </a:r>
-            <a:r>
-              <a:rPr lang="en-US" sz="2000" dirty="0" err="1"/>
-              <a:t>replikáciu</a:t>
-            </a:r>
-            <a:r>
-              <a:rPr lang="en-US" sz="2000" dirty="0"/>
-              <a:t>.</a:t>
+              <a:rPr lang="en-US" sz="1800" dirty="0"/>
+              <a:t> </a:t>
+            </a:r>
+            <a:r>
+              <a:rPr lang="en-US" sz="1800" dirty="0" err="1"/>
+              <a:t>bol</a:t>
+            </a:r>
+            <a:r>
+              <a:rPr lang="en-US" sz="1800" dirty="0"/>
+              <a:t> </a:t>
+            </a:r>
+            <a:r>
+              <a:rPr lang="en-US" sz="1800" dirty="0" err="1"/>
+              <a:t>použitý</a:t>
+            </a:r>
+            <a:r>
+              <a:rPr lang="en-US" sz="1800" dirty="0"/>
+              <a:t> Adam optimizer(</a:t>
+            </a:r>
+            <a:r>
+              <a:rPr lang="en-US" sz="1800" dirty="0" err="1"/>
+              <a:t>lr</a:t>
+            </a:r>
+            <a:r>
+              <a:rPr lang="en-US" sz="1800" dirty="0"/>
+              <a:t> = 0.001) a Binary </a:t>
+            </a:r>
+            <a:r>
+              <a:rPr lang="en-US" sz="1800" dirty="0" err="1"/>
+              <a:t>Crossentropy</a:t>
+            </a:r>
+            <a:r>
+              <a:rPr lang="en-US" sz="1800" dirty="0"/>
+              <a:t> loss.</a:t>
             </a:r>
           </a:p>
         </p:txBody>
@@ -6036,7 +5853,7 @@
           <p:cNvPr id="2" name="Title 1">
             <a:extLst>
               <a:ext uri="{FF2B5EF4-FFF2-40B4-BE49-F238E27FC236}">
-                <a16:creationId xmlns:a16="http://schemas.microsoft.com/office/drawing/2014/main" id="{7B733F15-1361-23F3-7FBD-556F052FDCC9}"/>
+                <a16:creationId xmlns:a16="http://schemas.microsoft.com/office/drawing/2014/main" id="{FD685DDA-7C8E-FD43-1EA6-308C2193209F}"/>
               </a:ext>
             </a:extLst>
           </p:cNvPr>
@@ -6054,301 +5871,78 @@
           <a:p>
             <a:r>
               <a:rPr lang="en-US" dirty="0" err="1"/>
-              <a:t>Kritické</a:t>
+              <a:t>Grafy</a:t>
             </a:r>
             <a:r>
               <a:rPr lang="en-US" dirty="0"/>
-              <a:t> </a:t>
-            </a:r>
-            <a:r>
-              <a:rPr lang="en-US" dirty="0" err="1"/>
-              <a:t>zhodnotenie</a:t>
-            </a:r>
-            <a:endParaRPr lang="en-US" dirty="0"/>
-          </a:p>
-        </p:txBody>
-      </p:sp>
-      <p:sp>
-        <p:nvSpPr>
-          <p:cNvPr id="3" name="Content Placeholder 2">
-            <a:extLst>
-              <a:ext uri="{FF2B5EF4-FFF2-40B4-BE49-F238E27FC236}">
-                <a16:creationId xmlns:a16="http://schemas.microsoft.com/office/drawing/2014/main" id="{F1636196-2B50-1DA5-2756-354F9A531D6C}"/>
-              </a:ext>
-            </a:extLst>
-          </p:cNvPr>
-          <p:cNvSpPr>
-            <a:spLocks noGrp="1"/>
-          </p:cNvSpPr>
+              <a:t> accuracy a loss</a:t>
+            </a:r>
+          </a:p>
+        </p:txBody>
+      </p:sp>
+      <p:pic>
+        <p:nvPicPr>
+          <p:cNvPr id="5" name="Content Placeholder 4">
+            <a:extLst>
+              <a:ext uri="{FF2B5EF4-FFF2-40B4-BE49-F238E27FC236}">
+                <a16:creationId xmlns:a16="http://schemas.microsoft.com/office/drawing/2014/main" id="{F5D1CE2A-E9E9-5972-7EE3-74D8D6192EB1}"/>
+              </a:ext>
+            </a:extLst>
+          </p:cNvPr>
+          <p:cNvPicPr>
+            <a:picLocks noGrp="1" noChangeAspect="1"/>
+          </p:cNvPicPr>
           <p:nvPr>
             <p:ph idx="1"/>
           </p:nvPr>
-        </p:nvSpPr>
+        </p:nvPicPr>
+        <p:blipFill>
+          <a:blip r:embed="rId2"/>
+          <a:stretch>
+            <a:fillRect/>
+          </a:stretch>
+        </p:blipFill>
         <p:spPr>
           <a:xfrm>
-            <a:off x="838200" y="1533017"/>
-            <a:ext cx="10515600" cy="1685671"/>
+            <a:off x="418161" y="1495975"/>
+            <a:ext cx="5677839" cy="3866050"/>
           </a:xfrm>
         </p:spPr>
-        <p:txBody>
-          <a:bodyPr/>
-          <a:lstStyle/>
-          <a:p>
-            <a:r>
-              <a:rPr lang="en-US" b="1" dirty="0" err="1"/>
-              <a:t>Chyby</a:t>
-            </a:r>
-            <a:r>
-              <a:rPr lang="en-US" b="1" dirty="0"/>
-              <a:t> v </a:t>
-            </a:r>
-            <a:r>
-              <a:rPr lang="en-US" b="1" dirty="0" err="1"/>
-              <a:t>pôvodnom</a:t>
-            </a:r>
-            <a:r>
-              <a:rPr lang="en-US" b="1" dirty="0"/>
-              <a:t> </a:t>
-            </a:r>
-            <a:r>
-              <a:rPr lang="en-US" b="1" dirty="0" err="1"/>
-              <a:t>článku</a:t>
-            </a:r>
-            <a:r>
-              <a:rPr lang="en-US" b="1" dirty="0"/>
-              <a:t>:</a:t>
-            </a:r>
-          </a:p>
-          <a:p>
-            <a:pPr lvl="1"/>
-            <a:r>
-              <a:rPr lang="en-US" dirty="0" err="1"/>
-              <a:t>Nesprávne</a:t>
-            </a:r>
-            <a:r>
-              <a:rPr lang="en-US" dirty="0"/>
-              <a:t> </a:t>
-            </a:r>
-            <a:r>
-              <a:rPr lang="en-US" dirty="0" err="1"/>
-              <a:t>tvrdenie</a:t>
-            </a:r>
-            <a:r>
-              <a:rPr lang="en-US" dirty="0"/>
-              <a:t> o </a:t>
-            </a:r>
-            <a:r>
-              <a:rPr lang="en-US" dirty="0" err="1"/>
-              <a:t>sigmoidnej</a:t>
-            </a:r>
-            <a:r>
-              <a:rPr lang="en-US" dirty="0"/>
-              <a:t> </a:t>
-            </a:r>
-            <a:r>
-              <a:rPr lang="en-US" dirty="0" err="1"/>
-              <a:t>funkcii</a:t>
-            </a:r>
-            <a:r>
-              <a:rPr lang="en-US" dirty="0"/>
-              <a:t>.</a:t>
-            </a:r>
-          </a:p>
-          <a:p>
-            <a:pPr lvl="1"/>
-            <a:r>
-              <a:rPr lang="en-US" dirty="0" err="1"/>
-              <a:t>Neštandardný</a:t>
-            </a:r>
-            <a:r>
-              <a:rPr lang="en-US" dirty="0"/>
-              <a:t> </a:t>
-            </a:r>
-            <a:r>
-              <a:rPr lang="en-US" dirty="0" err="1"/>
-              <a:t>popis</a:t>
-            </a:r>
-            <a:r>
-              <a:rPr lang="en-US" dirty="0"/>
-              <a:t> </a:t>
-            </a:r>
-            <a:r>
-              <a:rPr lang="en-US" dirty="0" err="1"/>
-              <a:t>trénovania</a:t>
-            </a:r>
-            <a:r>
-              <a:rPr lang="en-US" dirty="0"/>
-              <a:t> SVM.</a:t>
-            </a:r>
-          </a:p>
-          <a:p>
-            <a:pPr lvl="1"/>
-            <a:r>
-              <a:rPr lang="en-US" dirty="0" err="1"/>
-              <a:t>Nejasné</a:t>
-            </a:r>
-            <a:r>
-              <a:rPr lang="en-US" dirty="0"/>
-              <a:t> </a:t>
-            </a:r>
-            <a:r>
-              <a:rPr lang="en-US" dirty="0" err="1"/>
-              <a:t>vysvetlenie</a:t>
-            </a:r>
-            <a:r>
-              <a:rPr lang="en-US" dirty="0"/>
-              <a:t> </a:t>
-            </a:r>
-            <a:r>
-              <a:rPr lang="en-US" dirty="0" err="1"/>
-              <a:t>augmentácie</a:t>
-            </a:r>
-            <a:r>
-              <a:rPr lang="en-US" dirty="0"/>
-              <a:t> </a:t>
-            </a:r>
-            <a:r>
-              <a:rPr lang="en-US" dirty="0" err="1"/>
-              <a:t>dát</a:t>
-            </a:r>
-            <a:r>
-              <a:rPr lang="en-US" dirty="0"/>
-              <a:t>.</a:t>
-            </a:r>
-          </a:p>
-        </p:txBody>
-      </p:sp>
-      <p:sp>
-        <p:nvSpPr>
-          <p:cNvPr id="5" name="TextBox 4">
-            <a:extLst>
-              <a:ext uri="{FF2B5EF4-FFF2-40B4-BE49-F238E27FC236}">
-                <a16:creationId xmlns:a16="http://schemas.microsoft.com/office/drawing/2014/main" id="{E90D89C5-4F83-1066-63F6-90768D33CC41}"/>
-              </a:ext>
-            </a:extLst>
-          </p:cNvPr>
-          <p:cNvSpPr txBox="1"/>
+      </p:pic>
+      <p:pic>
+        <p:nvPicPr>
+          <p:cNvPr id="7" name="Picture 6">
+            <a:extLst>
+              <a:ext uri="{FF2B5EF4-FFF2-40B4-BE49-F238E27FC236}">
+                <a16:creationId xmlns:a16="http://schemas.microsoft.com/office/drawing/2014/main" id="{9AB628D9-B358-77E6-304E-62FED396BD56}"/>
+              </a:ext>
+            </a:extLst>
+          </p:cNvPr>
+          <p:cNvPicPr>
+            <a:picLocks noChangeAspect="1"/>
+          </p:cNvPicPr>
           <p:nvPr/>
-        </p:nvSpPr>
+        </p:nvPicPr>
+        <p:blipFill>
+          <a:blip r:embed="rId3"/>
+          <a:stretch>
+            <a:fillRect/>
+          </a:stretch>
+        </p:blipFill>
         <p:spPr>
           <a:xfrm>
-            <a:off x="838200" y="3429000"/>
-            <a:ext cx="7757160" cy="1692771"/>
+            <a:off x="6724910" y="1483958"/>
+            <a:ext cx="4830694" cy="3878067"/>
           </a:xfrm>
           <a:prstGeom prst="rect">
             <a:avLst/>
           </a:prstGeom>
-          <a:noFill/>
         </p:spPr>
-        <p:txBody>
-          <a:bodyPr wrap="square">
-            <a:spAutoFit/>
-          </a:bodyPr>
-          <a:lstStyle/>
-          <a:p>
-            <a:pPr marL="285750" indent="-285750">
-              <a:buFont typeface="Arial" panose="020B0604020202020204" pitchFamily="34" charset="0"/>
-              <a:buChar char="•"/>
-            </a:pPr>
-            <a:r>
-              <a:rPr lang="en-US" sz="2800" b="1" dirty="0" err="1"/>
-              <a:t>Vylepšenia</a:t>
-            </a:r>
-            <a:r>
-              <a:rPr lang="en-US" sz="2800" b="1" dirty="0"/>
-              <a:t> v </a:t>
-            </a:r>
-            <a:r>
-              <a:rPr lang="en-US" sz="2800" b="1" dirty="0" err="1"/>
-              <a:t>replikácii</a:t>
-            </a:r>
-            <a:r>
-              <a:rPr lang="en-US" sz="2800" b="1" dirty="0"/>
-              <a:t>:</a:t>
-            </a:r>
-          </a:p>
-          <a:p>
-            <a:pPr marL="742950" lvl="1" indent="-285750">
-              <a:buFont typeface="Arial" panose="020B0604020202020204" pitchFamily="34" charset="0"/>
-              <a:buChar char="•"/>
-            </a:pPr>
-            <a:r>
-              <a:rPr lang="en-US" sz="2400" dirty="0" err="1"/>
-              <a:t>Explicitné</a:t>
-            </a:r>
-            <a:r>
-              <a:rPr lang="en-US" sz="2400" dirty="0"/>
-              <a:t> </a:t>
-            </a:r>
-            <a:r>
-              <a:rPr lang="en-US" sz="2400" dirty="0" err="1"/>
-              <a:t>vyhodnotenie</a:t>
-            </a:r>
-            <a:r>
-              <a:rPr lang="en-US" sz="2400" dirty="0"/>
-              <a:t> </a:t>
-            </a:r>
-            <a:r>
-              <a:rPr lang="en-US" sz="2400" dirty="0" err="1"/>
-              <a:t>všetkých</a:t>
-            </a:r>
-            <a:r>
-              <a:rPr lang="en-US" sz="2400" dirty="0"/>
-              <a:t> </a:t>
-            </a:r>
-            <a:r>
-              <a:rPr lang="en-US" sz="2400" dirty="0" err="1"/>
-              <a:t>metrík</a:t>
-            </a:r>
-            <a:r>
-              <a:rPr lang="en-US" sz="2400" b="1" dirty="0"/>
-              <a:t>.</a:t>
-            </a:r>
-          </a:p>
-          <a:p>
-            <a:pPr marL="742950" lvl="1" indent="-285750">
-              <a:buFont typeface="Arial" panose="020B0604020202020204" pitchFamily="34" charset="0"/>
-              <a:buChar char="•"/>
-            </a:pPr>
-            <a:r>
-              <a:rPr lang="en-US" sz="2400" dirty="0" err="1"/>
-              <a:t>Pevné</a:t>
-            </a:r>
-            <a:r>
-              <a:rPr lang="en-US" sz="2400" dirty="0"/>
-              <a:t> random seed pre </a:t>
-            </a:r>
-            <a:r>
-              <a:rPr lang="en-US" sz="2400" dirty="0" err="1"/>
-              <a:t>reprodukovateľnosť</a:t>
-            </a:r>
-            <a:r>
-              <a:rPr lang="en-US" sz="2400" dirty="0"/>
-              <a:t>.</a:t>
-            </a:r>
-            <a:endParaRPr lang="en-US" sz="2400" b="1" dirty="0"/>
-          </a:p>
-          <a:p>
-            <a:pPr marL="742950" lvl="1" indent="-285750">
-              <a:buFont typeface="Arial" panose="020B0604020202020204" pitchFamily="34" charset="0"/>
-              <a:buChar char="•"/>
-            </a:pPr>
-            <a:r>
-              <a:rPr lang="pl-PL" sz="2400" dirty="0"/>
-              <a:t>Presnejšie oddelenie trénovania CNN a SVM</a:t>
-            </a:r>
-            <a:r>
-              <a:rPr lang="pl-PL" sz="2800" dirty="0"/>
-              <a:t>.</a:t>
-            </a:r>
-            <a:endParaRPr lang="en-US" sz="2800" b="1" dirty="0"/>
-          </a:p>
-        </p:txBody>
-      </p:sp>
+      </p:pic>
     </p:spTree>
     <p:extLst>
       <p:ext uri="{BB962C8B-B14F-4D97-AF65-F5344CB8AC3E}">
-        <p14:creationId xmlns:p14="http://schemas.microsoft.com/office/powerpoint/2010/main" val="2249392883"/>
+        <p14:creationId xmlns:p14="http://schemas.microsoft.com/office/powerpoint/2010/main" val="1339062336"/>
       </p:ext>
     </p:extLst>
   </p:cSld>
@@ -6380,7 +5974,7 @@
           <p:cNvPr id="2" name="Title 1">
             <a:extLst>
               <a:ext uri="{FF2B5EF4-FFF2-40B4-BE49-F238E27FC236}">
-                <a16:creationId xmlns:a16="http://schemas.microsoft.com/office/drawing/2014/main" id="{A9AFE0E5-BC0C-C130-87A0-47F5D999EF00}"/>
+                <a16:creationId xmlns:a16="http://schemas.microsoft.com/office/drawing/2014/main" id="{7B733F15-1361-23F3-7FBD-556F052FDCC9}"/>
               </a:ext>
             </a:extLst>
           </p:cNvPr>
@@ -6398,7 +5992,7 @@
           <a:p>
             <a:r>
               <a:rPr lang="en-US" dirty="0" err="1"/>
-              <a:t>Návrhy</a:t>
+              <a:t>Kritické</a:t>
             </a:r>
             <a:r>
               <a:rPr lang="en-US" dirty="0"/>
@@ -6406,28 +6000,9 @@
             </a:r>
             <a:r>
               <a:rPr lang="en-US" dirty="0" err="1"/>
-              <a:t>na</a:t>
-            </a:r>
-            <a:r>
-              <a:rPr lang="en-US" dirty="0"/>
-              <a:t> </a:t>
-            </a:r>
-            <a:r>
-              <a:rPr lang="en-US" dirty="0" err="1"/>
-              <a:t>budúce</a:t>
-            </a:r>
-            <a:r>
-              <a:rPr lang="en-US" dirty="0"/>
-              <a:t> </a:t>
-            </a:r>
-            <a:r>
-              <a:rPr lang="en-US" dirty="0" err="1"/>
-              <a:t>vylepšenia</a:t>
-            </a:r>
-            <a:r>
-              <a:rPr lang="en-US" dirty="0"/>
-              <a:t>:</a:t>
-            </a:r>
+              <a:t>zhodnotenie</a:t>
+            </a:r>
+            <a:endParaRPr lang="en-US" dirty="0"/>
           </a:p>
         </p:txBody>
       </p:sp>
@@ -6436,7 +6011,7 @@
           <p:cNvPr id="3" name="Content Placeholder 2">
             <a:extLst>
               <a:ext uri="{FF2B5EF4-FFF2-40B4-BE49-F238E27FC236}">
-                <a16:creationId xmlns:a16="http://schemas.microsoft.com/office/drawing/2014/main" id="{6187ECB2-7DE2-CF1C-1CDA-5988689412FE}"/>
+                <a16:creationId xmlns:a16="http://schemas.microsoft.com/office/drawing/2014/main" id="{F1636196-2B50-1DA5-2756-354F9A531D6C}"/>
               </a:ext>
             </a:extLst>
           </p:cNvPr>
@@ -6449,8 +6024,8 @@
         </p:nvSpPr>
         <p:spPr>
           <a:xfrm>
-            <a:off x="838200" y="1825625"/>
-            <a:ext cx="4108704" cy="4017391"/>
+            <a:off x="838200" y="1533017"/>
+            <a:ext cx="10515600" cy="1685671"/>
           </a:xfrm>
         </p:spPr>
         <p:txBody>
@@ -6458,24 +6033,51 @@
           <a:lstStyle/>
           <a:p>
             <a:r>
+              <a:rPr lang="en-US" b="1" dirty="0" err="1"/>
+              <a:t>Chyby</a:t>
+            </a:r>
+            <a:r>
+              <a:rPr lang="en-US" b="1" dirty="0"/>
+              <a:t> v </a:t>
+            </a:r>
+            <a:r>
+              <a:rPr lang="en-US" b="1" dirty="0" err="1"/>
+              <a:t>pôvodnom</a:t>
+            </a:r>
+            <a:r>
+              <a:rPr lang="en-US" b="1" dirty="0"/>
+              <a:t> </a:t>
+            </a:r>
+            <a:r>
+              <a:rPr lang="en-US" b="1" dirty="0" err="1"/>
+              <a:t>článku</a:t>
+            </a:r>
+            <a:r>
+              <a:rPr lang="en-US" b="1" dirty="0"/>
+              <a:t>:</a:t>
+            </a:r>
+          </a:p>
+          <a:p>
+            <a:pPr lvl="1"/>
+            <a:r>
               <a:rPr lang="en-US" dirty="0" err="1"/>
-              <a:t>Použitie</a:t>
+              <a:t>Nesprávne</a:t>
             </a:r>
             <a:r>
               <a:rPr lang="en-US" dirty="0"/>
-              <a:t> grayscale </a:t>
+              <a:t> </a:t>
             </a:r>
             <a:r>
               <a:rPr lang="en-US" dirty="0" err="1"/>
-              <a:t>alebo</a:t>
+              <a:t>tvrdenie</a:t>
             </a:r>
             <a:r>
               <a:rPr lang="en-US" dirty="0"/>
-              <a:t> </a:t>
+              <a:t> o </a:t>
             </a:r>
             <a:r>
               <a:rPr lang="en-US" dirty="0" err="1"/>
-              <a:t>termálnych</a:t>
+              <a:t>sigmoidnej</a:t>
             </a:r>
             <a:r>
               <a:rPr lang="en-US" dirty="0"/>
@@ -6483,7 +6085,7 @@
             </a:r>
             <a:r>
               <a:rPr lang="en-US" dirty="0" err="1"/>
-              <a:t>obrázkov</a:t>
+              <a:t>funkcii</a:t>
             </a:r>
             <a:r>
               <a:rPr lang="en-US" dirty="0"/>
@@ -6491,9 +6093,10 @@
             </a:r>
           </a:p>
           <a:p>
+            <a:pPr lvl="1"/>
             <a:r>
               <a:rPr lang="en-US" dirty="0" err="1"/>
-              <a:t>Testovanie</a:t>
+              <a:t>Neštandardný</a:t>
             </a:r>
             <a:r>
               <a:rPr lang="en-US" dirty="0"/>
@@ -6501,7 +6104,7 @@
             </a:r>
             <a:r>
               <a:rPr lang="en-US" dirty="0" err="1"/>
-              <a:t>rôznych</a:t>
+              <a:t>popis</a:t>
             </a:r>
             <a:r>
               <a:rPr lang="en-US" dirty="0"/>
@@ -6509,25 +6112,26 @@
             </a:r>
             <a:r>
               <a:rPr lang="en-US" dirty="0" err="1"/>
-              <a:t>jadier</a:t>
+              <a:t>trénovania</a:t>
             </a:r>
             <a:r>
               <a:rPr lang="en-US" dirty="0"/>
-              <a:t> pre SVM (</a:t>
-            </a:r>
+              <a:t> SVM.</a:t>
+            </a:r>
+          </a:p>
+          <a:p>
+            <a:pPr lvl="1"/>
             <a:r>
               <a:rPr lang="en-US" dirty="0" err="1"/>
-              <a:t>napr</a:t>
+              <a:t>Nejasné</a:t>
             </a:r>
             <a:r>
               <a:rPr lang="en-US" dirty="0"/>
-              <a:t>. RBF kernel).</a:t>
-            </a:r>
-          </a:p>
-          <a:p>
+              <a:t> </a:t>
+            </a:r>
             <a:r>
               <a:rPr lang="en-US" dirty="0" err="1"/>
-              <a:t>Rozšírená</a:t>
+              <a:t>vysvetlenie</a:t>
             </a:r>
             <a:r>
               <a:rPr lang="en-US" dirty="0"/>
@@ -6535,7 +6139,7 @@
             </a:r>
             <a:r>
               <a:rPr lang="en-US" dirty="0" err="1"/>
-              <a:t>augmentácia</a:t>
+              <a:t>augmentácie</a:t>
             </a:r>
             <a:r>
               <a:rPr lang="en-US" dirty="0"/>
@@ -6547,67 +6151,142 @@
             </a:r>
             <a:r>
               <a:rPr lang="en-US" dirty="0"/>
-              <a:t> pre </a:t>
-            </a:r>
-            <a:r>
-              <a:rPr lang="en-US" dirty="0" err="1"/>
-              <a:t>lepšiu</a:t>
-            </a:r>
-            <a:r>
-              <a:rPr lang="en-US" dirty="0"/>
-              <a:t> </a:t>
-            </a:r>
-            <a:r>
-              <a:rPr lang="en-US" dirty="0" err="1"/>
-              <a:t>generalizáciu</a:t>
-            </a:r>
-            <a:r>
-              <a:rPr lang="en-US" dirty="0"/>
               <a:t>.</a:t>
             </a:r>
           </a:p>
         </p:txBody>
       </p:sp>
-      <p:pic>
-        <p:nvPicPr>
-          <p:cNvPr id="5" name="Picture 4" descr="A forest fire in the mountains&#10;&#10;AI-generated content may be incorrect.">
-            <a:extLst>
-              <a:ext uri="{FF2B5EF4-FFF2-40B4-BE49-F238E27FC236}">
-                <a16:creationId xmlns:a16="http://schemas.microsoft.com/office/drawing/2014/main" id="{C2EF52FB-DF6E-F3B4-1738-9647EF0EA374}"/>
-              </a:ext>
-            </a:extLst>
-          </p:cNvPr>
-          <p:cNvPicPr>
-            <a:picLocks noChangeAspect="1"/>
-          </p:cNvPicPr>
+      <p:sp>
+        <p:nvSpPr>
+          <p:cNvPr id="5" name="TextBox 4">
+            <a:extLst>
+              <a:ext uri="{FF2B5EF4-FFF2-40B4-BE49-F238E27FC236}">
+                <a16:creationId xmlns:a16="http://schemas.microsoft.com/office/drawing/2014/main" id="{E90D89C5-4F83-1066-63F6-90768D33CC41}"/>
+              </a:ext>
+            </a:extLst>
+          </p:cNvPr>
+          <p:cNvSpPr txBox="1"/>
           <p:nvPr/>
-        </p:nvPicPr>
-        <p:blipFill>
-          <a:blip r:embed="rId2">
-            <a:extLst>
-              <a:ext uri="{28A0092B-C50C-407E-A947-70E740481C1C}">
-                <a14:useLocalDpi xmlns:a14="http://schemas.microsoft.com/office/drawing/2010/main" val="0"/>
-              </a:ext>
-            </a:extLst>
-          </a:blip>
-          <a:stretch>
-            <a:fillRect/>
-          </a:stretch>
-        </p:blipFill>
+        </p:nvSpPr>
         <p:spPr>
           <a:xfrm>
-            <a:off x="7067550" y="1556268"/>
-            <a:ext cx="4108704" cy="4286748"/>
+            <a:off x="838200" y="3429000"/>
+            <a:ext cx="7757160" cy="1692771"/>
           </a:xfrm>
           <a:prstGeom prst="rect">
             <a:avLst/>
           </a:prstGeom>
+          <a:noFill/>
         </p:spPr>
-      </p:pic>
+        <p:txBody>
+          <a:bodyPr wrap="square">
+            <a:spAutoFit/>
+          </a:bodyPr>
+          <a:lstStyle/>
+          <a:p>
+            <a:pPr marL="285750" indent="-285750">
+              <a:buFont typeface="Arial" panose="020B0604020202020204" pitchFamily="34" charset="0"/>
+              <a:buChar char="•"/>
+            </a:pPr>
+            <a:r>
+              <a:rPr lang="en-US" sz="2800" b="1" dirty="0" err="1"/>
+              <a:t>Vylepšenia</a:t>
+            </a:r>
+            <a:r>
+              <a:rPr lang="en-US" sz="2800" b="1" dirty="0"/>
+              <a:t> v </a:t>
+            </a:r>
+            <a:r>
+              <a:rPr lang="en-US" sz="2800" b="1" dirty="0" err="1"/>
+              <a:t>replikácii</a:t>
+            </a:r>
+            <a:r>
+              <a:rPr lang="en-US" sz="2800" b="1" dirty="0"/>
+              <a:t>:</a:t>
+            </a:r>
+          </a:p>
+          <a:p>
+            <a:pPr marL="742950" lvl="1" indent="-285750">
+              <a:buFont typeface="Arial" panose="020B0604020202020204" pitchFamily="34" charset="0"/>
+              <a:buChar char="•"/>
+            </a:pPr>
+            <a:r>
+              <a:rPr lang="en-US" sz="2400" dirty="0" err="1"/>
+              <a:t>Explicitné</a:t>
+            </a:r>
+            <a:r>
+              <a:rPr lang="en-US" sz="2400" dirty="0"/>
+              <a:t> </a:t>
+            </a:r>
+            <a:r>
+              <a:rPr lang="en-US" sz="2400" dirty="0" err="1"/>
+              <a:t>vyhodnotenie</a:t>
+            </a:r>
+            <a:r>
+              <a:rPr lang="en-US" sz="2400" dirty="0"/>
+              <a:t> </a:t>
+            </a:r>
+            <a:r>
+              <a:rPr lang="en-US" sz="2400" dirty="0" err="1"/>
+              <a:t>všetkých</a:t>
+            </a:r>
+            <a:r>
+              <a:rPr lang="en-US" sz="2400" dirty="0"/>
+              <a:t> </a:t>
+            </a:r>
+            <a:r>
+              <a:rPr lang="en-US" sz="2400" dirty="0" err="1"/>
+              <a:t>metrík</a:t>
+            </a:r>
+            <a:r>
+              <a:rPr lang="en-US" sz="2400" b="1" dirty="0"/>
+              <a:t>.</a:t>
+            </a:r>
+          </a:p>
+          <a:p>
+            <a:pPr marL="742950" lvl="1" indent="-285750">
+              <a:buFont typeface="Arial" panose="020B0604020202020204" pitchFamily="34" charset="0"/>
+              <a:buChar char="•"/>
+            </a:pPr>
+            <a:r>
+              <a:rPr lang="en-US" sz="2400" dirty="0" err="1"/>
+              <a:t>Pevné</a:t>
+            </a:r>
+            <a:r>
+              <a:rPr lang="en-US" sz="2400" dirty="0"/>
+              <a:t> random seed pre </a:t>
+            </a:r>
+            <a:r>
+              <a:rPr lang="en-US" sz="2400" dirty="0" err="1"/>
+              <a:t>reprodukovateľnosť</a:t>
+            </a:r>
+            <a:r>
+              <a:rPr lang="en-US" sz="2400" dirty="0"/>
+              <a:t>.</a:t>
+            </a:r>
+            <a:endParaRPr lang="en-US" sz="2400" b="1" dirty="0"/>
+          </a:p>
+          <a:p>
+            <a:pPr marL="742950" lvl="1" indent="-285750">
+              <a:buFont typeface="Arial" panose="020B0604020202020204" pitchFamily="34" charset="0"/>
+              <a:buChar char="•"/>
+            </a:pPr>
+            <a:r>
+              <a:rPr lang="pl-PL" sz="2400" dirty="0"/>
+              <a:t>Presnejšie oddelenie trénovania CNN a SVM</a:t>
+            </a:r>
+            <a:r>
+              <a:rPr lang="pl-PL" sz="2800" dirty="0"/>
+              <a:t>.</a:t>
+            </a:r>
+            <a:endParaRPr lang="en-US" sz="2800" b="1" dirty="0"/>
+          </a:p>
+        </p:txBody>
+      </p:sp>
     </p:spTree>
     <p:extLst>
       <p:ext uri="{BB962C8B-B14F-4D97-AF65-F5344CB8AC3E}">
-        <p14:creationId xmlns:p14="http://schemas.microsoft.com/office/powerpoint/2010/main" val="3269411404"/>
+        <p14:creationId xmlns:p14="http://schemas.microsoft.com/office/powerpoint/2010/main" val="2249392883"/>
       </p:ext>
     </p:extLst>
   </p:cSld>
@@ -6639,21 +6318,77 @@
           <p:cNvPr id="2" name="Title 1">
             <a:extLst>
               <a:ext uri="{FF2B5EF4-FFF2-40B4-BE49-F238E27FC236}">
-                <a16:creationId xmlns:a16="http://schemas.microsoft.com/office/drawing/2014/main" id="{549AA9D3-0280-A7B1-C813-0DA279FAF21C}"/>
-              </a:ext>
-            </a:extLst>
-          </p:cNvPr>
-          <p:cNvSpPr>
-            <a:spLocks noGrp="1"/>
-          </p:cNvSpPr>
-          <p:nvPr>
-            <p:ph type="ctrTitle"/>
+                <a16:creationId xmlns:a16="http://schemas.microsoft.com/office/drawing/2014/main" id="{A9AFE0E5-BC0C-C130-87A0-47F5D999EF00}"/>
+              </a:ext>
+            </a:extLst>
+          </p:cNvPr>
+          <p:cNvSpPr>
+            <a:spLocks noGrp="1"/>
+          </p:cNvSpPr>
+          <p:nvPr>
+            <p:ph type="title"/>
+          </p:nvPr>
+        </p:nvSpPr>
+        <p:spPr/>
+        <p:txBody>
+          <a:bodyPr/>
+          <a:lstStyle/>
+          <a:p>
+            <a:r>
+              <a:rPr lang="en-US" dirty="0" err="1"/>
+              <a:t>Návrhy</a:t>
+            </a:r>
+            <a:r>
+              <a:rPr lang="en-US" dirty="0"/>
+              <a:t> </a:t>
+            </a:r>
+            <a:r>
+              <a:rPr lang="en-US" dirty="0" err="1"/>
+              <a:t>na</a:t>
+            </a:r>
+            <a:r>
+              <a:rPr lang="en-US" dirty="0"/>
+              <a:t> </a:t>
+            </a:r>
+            <a:r>
+              <a:rPr lang="en-US" dirty="0" err="1"/>
+              <a:t>budúce</a:t>
+            </a:r>
+            <a:r>
+              <a:rPr lang="en-US" dirty="0"/>
+              <a:t> </a:t>
+            </a:r>
+            <a:r>
+              <a:rPr lang="en-US" dirty="0" err="1"/>
+              <a:t>vylepšenia</a:t>
+            </a:r>
+            <a:r>
+              <a:rPr lang="en-US" dirty="0"/>
+              <a:t>:</a:t>
+            </a:r>
+          </a:p>
+        </p:txBody>
+      </p:sp>
+      <p:sp>
+        <p:nvSpPr>
+          <p:cNvPr id="3" name="Content Placeholder 2">
+            <a:extLst>
+              <a:ext uri="{FF2B5EF4-FFF2-40B4-BE49-F238E27FC236}">
+                <a16:creationId xmlns:a16="http://schemas.microsoft.com/office/drawing/2014/main" id="{6187ECB2-7DE2-CF1C-1CDA-5988689412FE}"/>
+              </a:ext>
+            </a:extLst>
+          </p:cNvPr>
+          <p:cNvSpPr>
+            <a:spLocks noGrp="1"/>
+          </p:cNvSpPr>
+          <p:nvPr>
+            <p:ph idx="1"/>
           </p:nvPr>
         </p:nvSpPr>
         <p:spPr>
           <a:xfrm>
-            <a:off x="1524000" y="1122362"/>
-            <a:ext cx="9144000" cy="2855277"/>
+            <a:off x="838200" y="1825625"/>
+            <a:ext cx="4108704" cy="4017391"/>
           </a:xfrm>
         </p:spPr>
         <p:txBody>
@@ -6662,27 +6397,155 @@
           <a:p>
             <a:r>
               <a:rPr lang="en-US" dirty="0" err="1"/>
-              <a:t>Ďakujem</a:t>
+              <a:t>Použitie</a:t>
             </a:r>
             <a:r>
               <a:rPr lang="en-US" dirty="0"/>
-              <a:t> za </a:t>
+              <a:t> grayscale </a:t>
             </a:r>
             <a:r>
               <a:rPr lang="en-US" dirty="0" err="1"/>
-              <a:t>pozornosť</a:t>
+              <a:t>alebo</a:t>
             </a:r>
             <a:r>
               <a:rPr lang="en-US" dirty="0"/>
-              <a:t>!</a:t>
-            </a:r>
-          </a:p>
-        </p:txBody>
-      </p:sp>
+              <a:t> </a:t>
+            </a:r>
+            <a:r>
+              <a:rPr lang="en-US" dirty="0" err="1"/>
+              <a:t>termálnych</a:t>
+            </a:r>
+            <a:r>
+              <a:rPr lang="en-US" dirty="0"/>
+              <a:t> </a:t>
+            </a:r>
+            <a:r>
+              <a:rPr lang="en-US" dirty="0" err="1"/>
+              <a:t>obrázkov</a:t>
+            </a:r>
+            <a:r>
+              <a:rPr lang="en-US" dirty="0"/>
+              <a:t>.</a:t>
+            </a:r>
+          </a:p>
+          <a:p>
+            <a:r>
+              <a:rPr lang="en-US" dirty="0" err="1"/>
+              <a:t>Testovanie</a:t>
+            </a:r>
+            <a:r>
+              <a:rPr lang="en-US" dirty="0"/>
+              <a:t> </a:t>
+            </a:r>
+            <a:r>
+              <a:rPr lang="en-US" dirty="0" err="1"/>
+              <a:t>rôznych</a:t>
+            </a:r>
+            <a:r>
+              <a:rPr lang="en-US" dirty="0"/>
+              <a:t> </a:t>
+            </a:r>
+            <a:r>
+              <a:rPr lang="en-US" dirty="0" err="1"/>
+              <a:t>jadier</a:t>
+            </a:r>
+            <a:r>
+              <a:rPr lang="en-US" dirty="0"/>
+              <a:t> pre SVM (</a:t>
+            </a:r>
+            <a:r>
+              <a:rPr lang="en-US" dirty="0" err="1"/>
+              <a:t>napr</a:t>
+            </a:r>
+            <a:r>
+              <a:rPr lang="en-US" dirty="0"/>
+              <a:t>. RBF kernel).</a:t>
+            </a:r>
+          </a:p>
+          <a:p>
+            <a:r>
+              <a:rPr lang="en-US" dirty="0" err="1"/>
+              <a:t>Rozšírená</a:t>
+            </a:r>
+            <a:r>
+              <a:rPr lang="en-US" dirty="0"/>
+              <a:t> </a:t>
+            </a:r>
+            <a:r>
+              <a:rPr lang="en-US" dirty="0" err="1"/>
+              <a:t>augmentácia</a:t>
+            </a:r>
+            <a:r>
+              <a:rPr lang="en-US" dirty="0"/>
+              <a:t> </a:t>
+            </a:r>
+            <a:r>
+              <a:rPr lang="en-US" dirty="0" err="1"/>
+              <a:t>dát</a:t>
+            </a:r>
+            <a:r>
+              <a:rPr lang="en-US" dirty="0"/>
+              <a:t> pre </a:t>
+            </a:r>
+            <a:r>
+              <a:rPr lang="en-US" dirty="0" err="1"/>
+              <a:t>lepšiu</a:t>
+            </a:r>
+            <a:r>
+              <a:rPr lang="en-US" dirty="0"/>
+              <a:t> </a:t>
+            </a:r>
+            <a:r>
+              <a:rPr lang="en-US" dirty="0" err="1"/>
+              <a:t>generalizáciu</a:t>
+            </a:r>
+            <a:r>
+              <a:rPr lang="en-US" dirty="0"/>
+              <a:t>.</a:t>
+            </a:r>
+          </a:p>
+        </p:txBody>
+      </p:sp>
+      <p:pic>
+        <p:nvPicPr>
+          <p:cNvPr id="5" name="Picture 4" descr="A forest fire in the mountains&#10;&#10;AI-generated content may be incorrect.">
+            <a:extLst>
+              <a:ext uri="{FF2B5EF4-FFF2-40B4-BE49-F238E27FC236}">
+                <a16:creationId xmlns:a16="http://schemas.microsoft.com/office/drawing/2014/main" id="{C2EF52FB-DF6E-F3B4-1738-9647EF0EA374}"/>
+              </a:ext>
+            </a:extLst>
+          </p:cNvPr>
+          <p:cNvPicPr>
+            <a:picLocks noChangeAspect="1"/>
+          </p:cNvPicPr>
+          <p:nvPr/>
+        </p:nvPicPr>
+        <p:blipFill>
+          <a:blip r:embed="rId2">
+            <a:extLst>
+              <a:ext uri="{28A0092B-C50C-407E-A947-70E740481C1C}">
+                <a14:useLocalDpi xmlns:a14="http://schemas.microsoft.com/office/drawing/2010/main" val="0"/>
+              </a:ext>
+            </a:extLst>
+          </a:blip>
+          <a:stretch>
+            <a:fillRect/>
+          </a:stretch>
+        </p:blipFill>
+        <p:spPr>
+          <a:xfrm>
+            <a:off x="7067550" y="1556268"/>
+            <a:ext cx="4108704" cy="4286748"/>
+          </a:xfrm>
+          <a:prstGeom prst="rect">
+            <a:avLst/>
+          </a:prstGeom>
+        </p:spPr>
+      </p:pic>
     </p:spTree>
     <p:extLst>
       <p:ext uri="{BB962C8B-B14F-4D97-AF65-F5344CB8AC3E}">
-        <p14:creationId xmlns:p14="http://schemas.microsoft.com/office/powerpoint/2010/main" val="3706905494"/>
+        <p14:creationId xmlns:p14="http://schemas.microsoft.com/office/powerpoint/2010/main" val="3269411404"/>
       </p:ext>
     </p:extLst>
   </p:cSld>
